--- a/specification/Figures20120111.pptx
+++ b/specification/Figures20120111.pptx
@@ -208,7 +208,7 @@
           <a:p>
             <a:fld id="{C717717B-FF3E-4180-AC0D-3AADAA9AED61}" type="datetimeFigureOut">
               <a:rPr lang="en-US" smtClean="0"/>
-              <a:t>2/16/2012</a:t>
+              <a:t>7/12/2012</a:t>
             </a:fld>
             <a:endParaRPr lang="en-US"/>
           </a:p>
@@ -1987,7 +1987,7 @@
           <a:p>
             <a:fld id="{31193ABD-82A9-4D7D-BDB6-959A6623BB02}" type="datetimeFigureOut">
               <a:rPr lang="en-US" smtClean="0"/>
-              <a:t>2/16/2012</a:t>
+              <a:t>7/12/2012</a:t>
             </a:fld>
             <a:endParaRPr lang="en-US"/>
           </a:p>
@@ -2157,7 +2157,7 @@
           <a:p>
             <a:fld id="{31193ABD-82A9-4D7D-BDB6-959A6623BB02}" type="datetimeFigureOut">
               <a:rPr lang="en-US" smtClean="0"/>
-              <a:t>2/16/2012</a:t>
+              <a:t>7/12/2012</a:t>
             </a:fld>
             <a:endParaRPr lang="en-US"/>
           </a:p>
@@ -2337,7 +2337,7 @@
           <a:p>
             <a:fld id="{31193ABD-82A9-4D7D-BDB6-959A6623BB02}" type="datetimeFigureOut">
               <a:rPr lang="en-US" smtClean="0"/>
-              <a:t>2/16/2012</a:t>
+              <a:t>7/12/2012</a:t>
             </a:fld>
             <a:endParaRPr lang="en-US"/>
           </a:p>
@@ -2507,7 +2507,7 @@
           <a:p>
             <a:fld id="{31193ABD-82A9-4D7D-BDB6-959A6623BB02}" type="datetimeFigureOut">
               <a:rPr lang="en-US" smtClean="0"/>
-              <a:t>2/16/2012</a:t>
+              <a:t>7/12/2012</a:t>
             </a:fld>
             <a:endParaRPr lang="en-US"/>
           </a:p>
@@ -2753,7 +2753,7 @@
           <a:p>
             <a:fld id="{31193ABD-82A9-4D7D-BDB6-959A6623BB02}" type="datetimeFigureOut">
               <a:rPr lang="en-US" smtClean="0"/>
-              <a:t>2/16/2012</a:t>
+              <a:t>7/12/2012</a:t>
             </a:fld>
             <a:endParaRPr lang="en-US"/>
           </a:p>
@@ -3041,7 +3041,7 @@
           <a:p>
             <a:fld id="{31193ABD-82A9-4D7D-BDB6-959A6623BB02}" type="datetimeFigureOut">
               <a:rPr lang="en-US" smtClean="0"/>
-              <a:t>2/16/2012</a:t>
+              <a:t>7/12/2012</a:t>
             </a:fld>
             <a:endParaRPr lang="en-US"/>
           </a:p>
@@ -3463,7 +3463,7 @@
           <a:p>
             <a:fld id="{31193ABD-82A9-4D7D-BDB6-959A6623BB02}" type="datetimeFigureOut">
               <a:rPr lang="en-US" smtClean="0"/>
-              <a:t>2/16/2012</a:t>
+              <a:t>7/12/2012</a:t>
             </a:fld>
             <a:endParaRPr lang="en-US"/>
           </a:p>
@@ -3581,7 +3581,7 @@
           <a:p>
             <a:fld id="{31193ABD-82A9-4D7D-BDB6-959A6623BB02}" type="datetimeFigureOut">
               <a:rPr lang="en-US" smtClean="0"/>
-              <a:t>2/16/2012</a:t>
+              <a:t>7/12/2012</a:t>
             </a:fld>
             <a:endParaRPr lang="en-US"/>
           </a:p>
@@ -3676,7 +3676,7 @@
           <a:p>
             <a:fld id="{31193ABD-82A9-4D7D-BDB6-959A6623BB02}" type="datetimeFigureOut">
               <a:rPr lang="en-US" smtClean="0"/>
-              <a:t>2/16/2012</a:t>
+              <a:t>7/12/2012</a:t>
             </a:fld>
             <a:endParaRPr lang="en-US"/>
           </a:p>
@@ -3953,7 +3953,7 @@
           <a:p>
             <a:fld id="{31193ABD-82A9-4D7D-BDB6-959A6623BB02}" type="datetimeFigureOut">
               <a:rPr lang="en-US" smtClean="0"/>
-              <a:t>2/16/2012</a:t>
+              <a:t>7/12/2012</a:t>
             </a:fld>
             <a:endParaRPr lang="en-US"/>
           </a:p>
@@ -4206,7 +4206,7 @@
           <a:p>
             <a:fld id="{31193ABD-82A9-4D7D-BDB6-959A6623BB02}" type="datetimeFigureOut">
               <a:rPr lang="en-US" smtClean="0"/>
-              <a:t>2/16/2012</a:t>
+              <a:t>7/12/2012</a:t>
             </a:fld>
             <a:endParaRPr lang="en-US"/>
           </a:p>
@@ -4419,7 +4419,7 @@
           <a:p>
             <a:fld id="{31193ABD-82A9-4D7D-BDB6-959A6623BB02}" type="datetimeFigureOut">
               <a:rPr lang="en-US" smtClean="0"/>
-              <a:t>2/16/2012</a:t>
+              <a:t>7/12/2012</a:t>
             </a:fld>
             <a:endParaRPr lang="en-US"/>
           </a:p>
@@ -8987,7 +8987,6 @@
               <a:rPr lang="en-US" baseline="-25000" dirty="0"/>
               <a:t>1</a:t>
             </a:r>
-            <a:endParaRPr lang="en-US" baseline="-25000" dirty="0"/>
           </a:p>
         </p:txBody>
       </p:sp>
@@ -9026,7 +9025,6 @@
               <a:rPr lang="en-US" baseline="-25000" dirty="0"/>
               <a:t>1</a:t>
             </a:r>
-            <a:endParaRPr lang="en-US" baseline="-25000" dirty="0"/>
           </a:p>
         </p:txBody>
       </p:sp>
@@ -9060,7 +9058,6 @@
               <a:rPr lang="en-US" sz="3600" dirty="0"/>
               <a:t> with Strand ‘-‘ Annotation</a:t>
             </a:r>
-            <a:endParaRPr lang="en-US" sz="3600" dirty="0"/>
           </a:p>
         </p:txBody>
       </p:sp>
@@ -9809,7 +9806,6 @@
               <a:rPr lang="en-US" dirty="0"/>
               <a:t>G</a:t>
             </a:r>
-            <a:endParaRPr lang="en-US" dirty="0"/>
           </a:p>
         </p:txBody>
       </p:sp>
@@ -9944,7 +9940,6 @@
               <a:rPr lang="en-US" b="1" dirty="0"/>
               <a:t>A</a:t>
             </a:r>
-            <a:endParaRPr lang="en-US" b="1" dirty="0"/>
           </a:p>
         </p:txBody>
       </p:sp>
@@ -9978,7 +9973,6 @@
               <a:rPr lang="en-US" dirty="0"/>
               <a:t>T</a:t>
             </a:r>
-            <a:endParaRPr lang="en-US" dirty="0"/>
           </a:p>
         </p:txBody>
       </p:sp>
@@ -10898,7 +10892,6 @@
               <a:rPr lang="en-US" baseline="-25000" dirty="0" smtClean="0"/>
               <a:t>s1</a:t>
             </a:r>
-            <a:endParaRPr lang="en-US" baseline="-25000" dirty="0" smtClean="0"/>
           </a:p>
         </p:txBody>
       </p:sp>
@@ -11337,7 +11330,6 @@
                 <a:rPr lang="en-US" dirty="0"/>
                 <a:t>A</a:t>
               </a:r>
-              <a:endParaRPr lang="en-US" dirty="0"/>
             </a:p>
           </p:txBody>
         </p:sp>
@@ -11371,7 +11363,6 @@
                 <a:rPr lang="en-US" dirty="0"/>
                 <a:t>G</a:t>
               </a:r>
-              <a:endParaRPr lang="en-US" dirty="0"/>
             </a:p>
           </p:txBody>
         </p:sp>
@@ -11828,7 +11819,6 @@
               <a:rPr lang="en-US" baseline="-25000" dirty="0"/>
               <a:t>1</a:t>
             </a:r>
-            <a:endParaRPr lang="en-US" baseline="-25000" dirty="0"/>
           </a:p>
         </p:txBody>
       </p:sp>
@@ -11901,7 +11891,6 @@
               <a:rPr lang="en-US" sz="3600" dirty="0"/>
               <a:t> with Strand ‘-‘ Annotation</a:t>
             </a:r>
-            <a:endParaRPr lang="en-US" sz="3600" dirty="0"/>
           </a:p>
         </p:txBody>
       </p:sp>
@@ -12377,7 +12366,6 @@
               <a:rPr lang="en-US" dirty="0"/>
               <a:t>G</a:t>
             </a:r>
-            <a:endParaRPr lang="en-US" dirty="0"/>
           </a:p>
         </p:txBody>
       </p:sp>
@@ -12512,7 +12500,6 @@
               <a:rPr lang="en-US" b="1" dirty="0"/>
               <a:t>A</a:t>
             </a:r>
-            <a:endParaRPr lang="en-US" b="1" dirty="0"/>
           </a:p>
         </p:txBody>
       </p:sp>
@@ -12546,7 +12533,6 @@
               <a:rPr lang="en-US" dirty="0"/>
               <a:t>T</a:t>
             </a:r>
-            <a:endParaRPr lang="en-US" dirty="0"/>
           </a:p>
         </p:txBody>
       </p:sp>
@@ -12953,7 +12939,6 @@
               <a:rPr lang="en-US" baseline="-25000" dirty="0" smtClean="0"/>
               <a:t>s1</a:t>
             </a:r>
-            <a:endParaRPr lang="en-US" baseline="-25000" dirty="0" smtClean="0"/>
           </a:p>
         </p:txBody>
       </p:sp>
@@ -13392,7 +13377,6 @@
                 <a:rPr lang="en-US" dirty="0"/>
                 <a:t>A</a:t>
               </a:r>
-              <a:endParaRPr lang="en-US" dirty="0"/>
             </a:p>
           </p:txBody>
         </p:sp>
@@ -13426,7 +13410,6 @@
                 <a:rPr lang="en-US" dirty="0"/>
                 <a:t>G</a:t>
               </a:r>
-              <a:endParaRPr lang="en-US" dirty="0"/>
             </a:p>
           </p:txBody>
         </p:sp>
